--- a/Proposal/CAPP_EdMoneyBall_CSProjectPresentation_16-01-23.pptx
+++ b/Proposal/CAPP_EdMoneyBall_CSProjectPresentation_16-01-23.pptx
@@ -232,7 +232,7 @@
   </p:defaultTextStyle>
   <p:extLst>
     <p:ext uri="{EFAFB233-063F-42B5-8137-9DF3F51BA10A}">
-      <p15:sldGuideLst xmlns:p15="http://schemas.microsoft.com/office/powerpoint/2012/main"/>
+      <p15:sldGuideLst xmlns:p15="http://schemas.microsoft.com/office/powerpoint/2012/main" xmlns=""/>
     </p:ext>
   </p:extLst>
 </p:presentation>
@@ -1367,7 +1367,35 @@
               </a:spcBef>
               <a:buNone/>
             </a:pPr>
-            <a:endParaRPr/>
+            <a:r>
+              <a:rPr lang="en-US" dirty="0" smtClean="0"/>
+              <a:t>Uses</a:t>
+            </a:r>
+            <a:r>
+              <a:rPr lang="en-US" baseline="0" dirty="0" smtClean="0"/>
+              <a:t>/allocations of expenditure;</a:t>
+            </a:r>
+          </a:p>
+          <a:p>
+            <a:pPr lvl="0">
+              <a:spcBef>
+                <a:spcPts val="0"/>
+              </a:spcBef>
+              <a:buNone/>
+            </a:pPr>
+            <a:r>
+              <a:rPr lang="en-US" baseline="0" dirty="0" smtClean="0"/>
+              <a:t>Ranking/preferences prioritization</a:t>
+            </a:r>
+          </a:p>
+          <a:p>
+            <a:pPr lvl="0">
+              <a:spcBef>
+                <a:spcPts val="0"/>
+              </a:spcBef>
+              <a:buNone/>
+            </a:pPr>
+            <a:endParaRPr dirty="0"/>
           </a:p>
         </p:txBody>
       </p:sp>
@@ -9113,9 +9141,16 @@
   <p:clrMapOvr>
     <a:masterClrMapping/>
   </p:clrMapOvr>
-  <p:transition spd="slow">
+  <p:transition xmlns:p14="http://schemas.microsoft.com/office/powerpoint/2010/main" spd="slow">
     <p:cut/>
   </p:transition>
+  <p:timing>
+    <p:tnLst>
+      <p:par>
+        <p:cTn xmlns:p14="http://schemas.microsoft.com/office/powerpoint/2010/main" id="1" dur="indefinite" restart="never" nodeType="tmRoot"/>
+      </p:par>
+    </p:tnLst>
+  </p:timing>
 </p:sld>
 </file>
 
@@ -10031,9 +10066,16 @@
   <p:clrMapOvr>
     <a:masterClrMapping/>
   </p:clrMapOvr>
-  <p:transition spd="slow">
+  <p:transition xmlns:p14="http://schemas.microsoft.com/office/powerpoint/2010/main" spd="slow">
     <p:cut/>
   </p:transition>
+  <p:timing>
+    <p:tnLst>
+      <p:par>
+        <p:cTn xmlns:p14="http://schemas.microsoft.com/office/powerpoint/2010/main" id="1" dur="indefinite" restart="never" nodeType="tmRoot"/>
+      </p:par>
+    </p:tnLst>
+  </p:timing>
 </p:sld>
 </file>
 
@@ -10608,9 +10650,16 @@
   <p:clrMapOvr>
     <a:masterClrMapping/>
   </p:clrMapOvr>
-  <p:transition spd="slow">
+  <p:transition xmlns:p14="http://schemas.microsoft.com/office/powerpoint/2010/main" spd="slow">
     <p:cut/>
   </p:transition>
+  <p:timing>
+    <p:tnLst>
+      <p:par>
+        <p:cTn xmlns:p14="http://schemas.microsoft.com/office/powerpoint/2010/main" id="1" dur="indefinite" restart="never" nodeType="tmRoot"/>
+      </p:par>
+    </p:tnLst>
+  </p:timing>
 </p:sld>
 </file>
 
@@ -10980,7 +11029,7 @@
         </p:nvGraphicFramePr>
         <p:xfrm>
           <a:off x="281522" y="825498"/>
-          <a:ext cx="8617600" cy="5277439"/>
+          <a:ext cx="8617600" cy="5277438"/>
         </p:xfrm>
         <a:graphic>
           <a:graphicData uri="http://schemas.openxmlformats.org/drawingml/2006/table">
@@ -11342,9 +11391,16 @@
   <p:clrMapOvr>
     <a:masterClrMapping/>
   </p:clrMapOvr>
-  <p:transition spd="slow">
+  <p:transition xmlns:p14="http://schemas.microsoft.com/office/powerpoint/2010/main" spd="slow">
     <p:cut/>
   </p:transition>
+  <p:timing>
+    <p:tnLst>
+      <p:par>
+        <p:cTn xmlns:p14="http://schemas.microsoft.com/office/powerpoint/2010/main" id="1" dur="indefinite" restart="never" nodeType="tmRoot"/>
+      </p:par>
+    </p:tnLst>
+  </p:timing>
 </p:sld>
 </file>
 
@@ -12017,9 +12073,16 @@
   <p:clrMapOvr>
     <a:masterClrMapping/>
   </p:clrMapOvr>
-  <p:transition spd="slow">
+  <p:transition xmlns:p14="http://schemas.microsoft.com/office/powerpoint/2010/main" spd="slow">
     <p:cut/>
   </p:transition>
+  <p:timing>
+    <p:tnLst>
+      <p:par>
+        <p:cTn xmlns:p14="http://schemas.microsoft.com/office/powerpoint/2010/main" id="1" dur="indefinite" restart="never" nodeType="tmRoot"/>
+      </p:par>
+    </p:tnLst>
+  </p:timing>
 </p:sld>
 </file>
 
@@ -15066,9 +15129,16 @@
   <p:clrMapOvr>
     <a:masterClrMapping/>
   </p:clrMapOvr>
-  <p:transition spd="slow">
+  <p:transition xmlns:p14="http://schemas.microsoft.com/office/powerpoint/2010/main" spd="slow">
     <p:cut/>
   </p:transition>
+  <p:timing>
+    <p:tnLst>
+      <p:par>
+        <p:cTn xmlns:p14="http://schemas.microsoft.com/office/powerpoint/2010/main" id="1" dur="indefinite" restart="never" nodeType="tmRoot"/>
+      </p:par>
+    </p:tnLst>
+  </p:timing>
 </p:sld>
 </file>
 
@@ -15180,6 +15250,171 @@
           </a:bodyPr>
           <a:lstStyle/>
           <a:p>
+            <a:pPr lvl="0"/>
+            <a:r>
+              <a:rPr lang="en-US" dirty="0">
+                <a:solidFill>
+                  <a:schemeClr val="bg1"/>
+                </a:solidFill>
+              </a:rPr>
+              <a:t>Uses/allocations of expenditure;</a:t>
+            </a:r>
+          </a:p>
+          <a:p>
+            <a:pPr lvl="0"/>
+            <a:r>
+              <a:rPr lang="en-US" dirty="0">
+                <a:solidFill>
+                  <a:schemeClr val="bg1"/>
+                </a:solidFill>
+              </a:rPr>
+              <a:t>Ranking/preferences </a:t>
+            </a:r>
+            <a:r>
+              <a:rPr lang="en-US" dirty="0" smtClean="0">
+                <a:solidFill>
+                  <a:schemeClr val="bg1"/>
+                </a:solidFill>
+              </a:rPr>
+              <a:t>prioritization</a:t>
+            </a:r>
+          </a:p>
+          <a:p>
+            <a:pPr lvl="0"/>
+            <a:r>
+              <a:rPr lang="en-US" dirty="0" smtClean="0">
+                <a:solidFill>
+                  <a:schemeClr val="bg1"/>
+                </a:solidFill>
+              </a:rPr>
+              <a:t>-quality; students served; </a:t>
+            </a:r>
+          </a:p>
+          <a:p>
+            <a:pPr lvl="0"/>
+            <a:r>
+              <a:rPr lang="en-US" dirty="0" smtClean="0">
+                <a:solidFill>
+                  <a:schemeClr val="bg1"/>
+                </a:solidFill>
+              </a:rPr>
+              <a:t>Be wary of using of </a:t>
+            </a:r>
+            <a:r>
+              <a:rPr lang="en-US" dirty="0" err="1" smtClean="0">
+                <a:solidFill>
+                  <a:schemeClr val="bg1"/>
+                </a:solidFill>
+              </a:rPr>
+              <a:t>avg</a:t>
+            </a:r>
+            <a:r>
+              <a:rPr lang="en-US" dirty="0" smtClean="0">
+                <a:solidFill>
+                  <a:schemeClr val="bg1"/>
+                </a:solidFill>
+              </a:rPr>
+              <a:t> spend/student</a:t>
+            </a:r>
+          </a:p>
+          <a:p>
+            <a:pPr lvl="0"/>
+            <a:r>
+              <a:rPr lang="en-US" dirty="0" smtClean="0">
+                <a:solidFill>
+                  <a:schemeClr val="bg1"/>
+                </a:solidFill>
+              </a:rPr>
+              <a:t>Determine a radius for the recommendation algorithm</a:t>
+            </a:r>
+          </a:p>
+          <a:p>
+            <a:pPr lvl="0"/>
+            <a:r>
+              <a:rPr lang="en-US" dirty="0" smtClean="0">
+                <a:solidFill>
+                  <a:schemeClr val="bg1"/>
+                </a:solidFill>
+              </a:rPr>
+              <a:t>-maybe limit to elementary schools (where distance is a factor); high school students should be fine to travel long distance (</a:t>
+            </a:r>
+            <a:r>
+              <a:rPr lang="en-US" dirty="0" err="1" smtClean="0">
+                <a:solidFill>
+                  <a:schemeClr val="bg1"/>
+                </a:solidFill>
+              </a:rPr>
+              <a:t>anne</a:t>
+            </a:r>
+            <a:r>
+              <a:rPr lang="en-US" dirty="0" smtClean="0">
+                <a:solidFill>
+                  <a:schemeClr val="bg1"/>
+                </a:solidFill>
+              </a:rPr>
+              <a:t> really recommends this)</a:t>
+            </a:r>
+          </a:p>
+          <a:p>
+            <a:pPr lvl="0"/>
+            <a:r>
+              <a:rPr lang="en-US" dirty="0" smtClean="0">
+                <a:solidFill>
+                  <a:schemeClr val="bg1"/>
+                </a:solidFill>
+              </a:rPr>
+              <a:t>-maybe provide contact information</a:t>
+            </a:r>
+          </a:p>
+          <a:p>
+            <a:pPr lvl="0"/>
+            <a:r>
+              <a:rPr lang="en-US" dirty="0" smtClean="0">
+                <a:solidFill>
+                  <a:schemeClr val="bg1"/>
+                </a:solidFill>
+              </a:rPr>
+              <a:t>Boston school </a:t>
+            </a:r>
+            <a:r>
+              <a:rPr lang="en-US" smtClean="0">
+                <a:solidFill>
+                  <a:schemeClr val="bg1"/>
+                </a:solidFill>
+              </a:rPr>
+              <a:t>search project</a:t>
+            </a:r>
+            <a:endParaRPr lang="en-US" dirty="0" smtClean="0">
+              <a:solidFill>
+                <a:schemeClr val="bg1"/>
+              </a:solidFill>
+            </a:endParaRPr>
+          </a:p>
+          <a:p>
+            <a:pPr lvl="0"/>
+            <a:r>
+              <a:rPr lang="en-US" dirty="0" err="1" smtClean="0">
+                <a:solidFill>
+                  <a:schemeClr val="bg1"/>
+                </a:solidFill>
+              </a:rPr>
+              <a:t>Highschools</a:t>
+            </a:r>
+            <a:r>
+              <a:rPr lang="en-US" dirty="0" smtClean="0">
+                <a:solidFill>
+                  <a:schemeClr val="bg1"/>
+                </a:solidFill>
+              </a:rPr>
+              <a:t> - % of students sent to college</a:t>
+            </a:r>
+            <a:endParaRPr lang="en-US" dirty="0">
+              <a:solidFill>
+                <a:schemeClr val="bg1"/>
+              </a:solidFill>
+            </a:endParaRPr>
+          </a:p>
+          <a:p>
             <a:pPr marL="285750" marR="0" lvl="0" indent="-285750" algn="l" rtl="0">
               <a:spcBef>
                 <a:spcPts val="0"/>
@@ -15195,9 +15430,9 @@
               <a:buChar char="•"/>
             </a:pPr>
             <a:r>
-              <a:rPr lang="en-US" sz="1600" b="0" i="0" u="none" strike="noStrike" cap="none">
-                <a:solidFill>
-                  <a:schemeClr val="lt1"/>
+              <a:rPr lang="en-US" sz="1600" b="0" i="0" u="none" strike="noStrike" cap="none" dirty="0" smtClean="0">
+                <a:solidFill>
+                  <a:srgbClr val="FF0000"/>
                 </a:solidFill>
                 <a:latin typeface="Calibri"/>
                 <a:ea typeface="Calibri"/>
@@ -15206,6 +15441,15 @@
               </a:rPr>
               <a:t> </a:t>
             </a:r>
+            <a:endParaRPr lang="en-US" sz="1600" b="0" i="0" u="none" strike="noStrike" cap="none" dirty="0">
+              <a:solidFill>
+                <a:srgbClr val="FF0000"/>
+              </a:solidFill>
+              <a:latin typeface="Calibri"/>
+              <a:ea typeface="Calibri"/>
+              <a:cs typeface="Calibri"/>
+              <a:sym typeface="Calibri"/>
+            </a:endParaRPr>
           </a:p>
           <a:p>
             <a:pPr marL="285750" marR="0" lvl="0" indent="-285750" algn="l" rtl="0">
@@ -15223,9 +15467,9 @@
               <a:buChar char="•"/>
             </a:pPr>
             <a:r>
-              <a:rPr lang="en-US" sz="1600" b="0" i="0" u="none" strike="noStrike" cap="none">
-                <a:solidFill>
-                  <a:schemeClr val="lt1"/>
+              <a:rPr lang="en-US" sz="1600" b="0" i="0" u="none" strike="noStrike" cap="none" dirty="0">
+                <a:solidFill>
+                  <a:srgbClr val="FF0000"/>
                 </a:solidFill>
                 <a:latin typeface="Calibri"/>
                 <a:ea typeface="Calibri"/>
@@ -15251,9 +15495,9 @@
               <a:buChar char="•"/>
             </a:pPr>
             <a:r>
-              <a:rPr lang="en-US" sz="1600" b="0" i="0" u="none" strike="noStrike" cap="none">
-                <a:solidFill>
-                  <a:schemeClr val="lt1"/>
+              <a:rPr lang="en-US" sz="1600" b="0" i="0" u="none" strike="noStrike" cap="none" dirty="0">
+                <a:solidFill>
+                  <a:srgbClr val="FF0000"/>
                 </a:solidFill>
                 <a:latin typeface="Calibri"/>
                 <a:ea typeface="Calibri"/>
@@ -15279,9 +15523,9 @@
               <a:buChar char="•"/>
             </a:pPr>
             <a:r>
-              <a:rPr lang="en-US" sz="1600" b="0" i="0" u="none" strike="noStrike" cap="none">
-                <a:solidFill>
-                  <a:schemeClr val="lt1"/>
+              <a:rPr lang="en-US" sz="1600" b="0" i="0" u="none" strike="noStrike" cap="none" dirty="0">
+                <a:solidFill>
+                  <a:srgbClr val="FF0000"/>
                 </a:solidFill>
                 <a:latin typeface="Calibri"/>
                 <a:ea typeface="Calibri"/>
@@ -15307,9 +15551,9 @@
               <a:buChar char="•"/>
             </a:pPr>
             <a:r>
-              <a:rPr lang="en-US" sz="1600" b="0" i="0" u="none" strike="noStrike" cap="none">
-                <a:solidFill>
-                  <a:schemeClr val="lt1"/>
+              <a:rPr lang="en-US" sz="1600" b="0" i="0" u="none" strike="noStrike" cap="none" dirty="0">
+                <a:solidFill>
+                  <a:srgbClr val="FF0000"/>
                 </a:solidFill>
                 <a:latin typeface="Calibri"/>
                 <a:ea typeface="Calibri"/>
@@ -15335,9 +15579,9 @@
               <a:buChar char="•"/>
             </a:pPr>
             <a:r>
-              <a:rPr lang="en-US" sz="1600" b="0" i="0" u="none" strike="noStrike" cap="none">
-                <a:solidFill>
-                  <a:schemeClr val="lt1"/>
+              <a:rPr lang="en-US" sz="1600" b="0" i="0" u="none" strike="noStrike" cap="none" dirty="0">
+                <a:solidFill>
+                  <a:srgbClr val="FF0000"/>
                 </a:solidFill>
                 <a:latin typeface="Calibri"/>
                 <a:ea typeface="Calibri"/>
@@ -15363,65 +15607,9 @@
               <a:buChar char="•"/>
             </a:pPr>
             <a:r>
-              <a:rPr lang="en-US" sz="1600" b="0" i="0" u="none" strike="noStrike" cap="none">
-                <a:solidFill>
-                  <a:schemeClr val="lt1"/>
-                </a:solidFill>
-                <a:latin typeface="Calibri"/>
-                <a:ea typeface="Calibri"/>
-                <a:cs typeface="Calibri"/>
-                <a:sym typeface="Calibri"/>
-              </a:rPr>
-              <a:t> </a:t>
-            </a:r>
-          </a:p>
-          <a:p>
-            <a:pPr marL="285750" marR="0" lvl="0" indent="-285750" algn="l" rtl="0">
-              <a:spcBef>
-                <a:spcPts val="0"/>
-              </a:spcBef>
-              <a:spcAft>
-                <a:spcPts val="0"/>
-              </a:spcAft>
-              <a:buClr>
-                <a:schemeClr val="lt1"/>
-              </a:buClr>
-              <a:buSzPct val="100000"/>
-              <a:buFont typeface="Arial"/>
-              <a:buChar char="•"/>
-            </a:pPr>
-            <a:r>
-              <a:rPr lang="en-US" sz="1600" b="0" i="0" u="none" strike="noStrike" cap="none">
-                <a:solidFill>
-                  <a:schemeClr val="lt1"/>
-                </a:solidFill>
-                <a:latin typeface="Calibri"/>
-                <a:ea typeface="Calibri"/>
-                <a:cs typeface="Calibri"/>
-                <a:sym typeface="Calibri"/>
-              </a:rPr>
-              <a:t> </a:t>
-            </a:r>
-          </a:p>
-          <a:p>
-            <a:pPr marL="285750" marR="0" lvl="0" indent="-285750" algn="l" rtl="0">
-              <a:spcBef>
-                <a:spcPts val="0"/>
-              </a:spcBef>
-              <a:spcAft>
-                <a:spcPts val="0"/>
-              </a:spcAft>
-              <a:buClr>
-                <a:schemeClr val="lt1"/>
-              </a:buClr>
-              <a:buSzPct val="100000"/>
-              <a:buFont typeface="Arial"/>
-              <a:buChar char="•"/>
-            </a:pPr>
-            <a:r>
-              <a:rPr lang="en-US" sz="1600" b="0" i="0" u="none" strike="noStrike" cap="none">
-                <a:solidFill>
-                  <a:schemeClr val="lt1"/>
+              <a:rPr lang="en-US" sz="1600" b="0" i="0" u="none" strike="noStrike" cap="none" dirty="0">
+                <a:solidFill>
+                  <a:srgbClr val="FF0000"/>
                 </a:solidFill>
                 <a:latin typeface="Calibri"/>
                 <a:ea typeface="Calibri"/>
@@ -15655,14 +15843,51 @@
           </a:p>
         </p:txBody>
       </p:sp>
+      <p:sp>
+        <p:nvSpPr>
+          <p:cNvPr id="2" name="TextBox 1"/>
+          <p:cNvSpPr txBox="1"/>
+          <p:nvPr/>
+        </p:nvSpPr>
+        <p:spPr>
+          <a:xfrm>
+            <a:off x="627107" y="1003514"/>
+            <a:ext cx="184666" cy="307777"/>
+          </a:xfrm>
+          <a:prstGeom prst="rect">
+            <a:avLst/>
+          </a:prstGeom>
+          <a:noFill/>
+        </p:spPr>
+        <p:txBody>
+          <a:bodyPr wrap="none" rtlCol="0">
+            <a:spAutoFit/>
+          </a:bodyPr>
+          <a:lstStyle/>
+          <a:p>
+            <a:endParaRPr lang="en-US" dirty="0">
+              <a:solidFill>
+                <a:srgbClr val="FF0000"/>
+              </a:solidFill>
+            </a:endParaRPr>
+          </a:p>
+        </p:txBody>
+      </p:sp>
     </p:spTree>
   </p:cSld>
   <p:clrMapOvr>
     <a:masterClrMapping/>
   </p:clrMapOvr>
-  <p:transition spd="slow">
+  <p:transition xmlns:p14="http://schemas.microsoft.com/office/powerpoint/2010/main" spd="slow">
     <p:cut/>
   </p:transition>
+  <p:timing>
+    <p:tnLst>
+      <p:par>
+        <p:cTn xmlns:p14="http://schemas.microsoft.com/office/powerpoint/2010/main" id="1" dur="indefinite" restart="never" nodeType="tmRoot"/>
+      </p:par>
+    </p:tnLst>
+  </p:timing>
 </p:sld>
 </file>
 
@@ -15964,9 +16189,16 @@
   <p:clrMapOvr>
     <a:masterClrMapping/>
   </p:clrMapOvr>
-  <p:transition spd="slow">
+  <p:transition xmlns:p14="http://schemas.microsoft.com/office/powerpoint/2010/main" spd="slow">
     <p:cut/>
   </p:transition>
+  <p:timing>
+    <p:tnLst>
+      <p:par>
+        <p:cTn xmlns:p14="http://schemas.microsoft.com/office/powerpoint/2010/main" id="1" dur="indefinite" restart="never" nodeType="tmRoot"/>
+      </p:par>
+    </p:tnLst>
+  </p:timing>
 </p:sld>
 </file>
 
